--- a/2D 게임프로그래밍 1차 발표.pptx
+++ b/2D 게임프로그래밍 1차 발표.pptx
@@ -1821,7 +1821,7 @@
             <a:fld id="{FD2766A6-3C10-4AB8-86A1-BB1F0CDA7EFE}" type="datetimeFigureOut">
               <a:rPr lang="en-US" smtClean="0"/>
               <a:pPr/>
-              <a:t>10/15/2023</a:t>
+              <a:t>10/16/2023</a:t>
             </a:fld>
             <a:endParaRPr lang="en-US" dirty="0"/>
           </a:p>
@@ -3502,7 +3502,7 @@
             <a:fld id="{FD2766A6-3C10-4AB8-86A1-BB1F0CDA7EFE}" type="datetimeFigureOut">
               <a:rPr lang="en-US" smtClean="0"/>
               <a:pPr/>
-              <a:t>10/15/2023</a:t>
+              <a:t>10/16/2023</a:t>
             </a:fld>
             <a:endParaRPr lang="en-US" dirty="0"/>
           </a:p>
@@ -5191,7 +5191,7 @@
             <a:fld id="{FD2766A6-3C10-4AB8-86A1-BB1F0CDA7EFE}" type="datetimeFigureOut">
               <a:rPr lang="en-US" smtClean="0"/>
               <a:pPr/>
-              <a:t>10/15/2023</a:t>
+              <a:t>10/16/2023</a:t>
             </a:fld>
             <a:endParaRPr lang="en-US" dirty="0"/>
           </a:p>
@@ -5364,7 +5364,7 @@
             <a:fld id="{FD2766A6-3C10-4AB8-86A1-BB1F0CDA7EFE}" type="datetimeFigureOut">
               <a:rPr lang="en-US" smtClean="0"/>
               <a:pPr/>
-              <a:t>10/15/2023</a:t>
+              <a:t>10/16/2023</a:t>
             </a:fld>
             <a:endParaRPr lang="en-US" dirty="0"/>
           </a:p>
@@ -7088,7 +7088,7 @@
             <a:fld id="{FD2766A6-3C10-4AB8-86A1-BB1F0CDA7EFE}" type="datetimeFigureOut">
               <a:rPr lang="en-US" smtClean="0"/>
               <a:pPr/>
-              <a:t>10/15/2023</a:t>
+              <a:t>10/16/2023</a:t>
             </a:fld>
             <a:endParaRPr lang="en-US" dirty="0"/>
           </a:p>
@@ -8083,7 +8083,7 @@
             <a:fld id="{FD2766A6-3C10-4AB8-86A1-BB1F0CDA7EFE}" type="datetimeFigureOut">
               <a:rPr lang="en-US" smtClean="0"/>
               <a:pPr/>
-              <a:t>10/15/2023</a:t>
+              <a:t>10/16/2023</a:t>
             </a:fld>
             <a:endParaRPr lang="en-US" dirty="0"/>
           </a:p>
@@ -8356,7 +8356,7 @@
             <a:fld id="{FD2766A6-3C10-4AB8-86A1-BB1F0CDA7EFE}" type="datetimeFigureOut">
               <a:rPr lang="en-US" smtClean="0"/>
               <a:pPr/>
-              <a:t>10/15/2023</a:t>
+              <a:t>10/16/2023</a:t>
             </a:fld>
             <a:endParaRPr lang="en-US" dirty="0"/>
           </a:p>
@@ -9461,7 +9461,7 @@
             <a:fld id="{FD2766A6-3C10-4AB8-86A1-BB1F0CDA7EFE}" type="datetimeFigureOut">
               <a:rPr lang="en-US" smtClean="0"/>
               <a:pPr/>
-              <a:t>10/15/2023</a:t>
+              <a:t>10/16/2023</a:t>
             </a:fld>
             <a:endParaRPr lang="en-US" dirty="0"/>
           </a:p>
@@ -10442,7 +10442,7 @@
             <a:fld id="{FD2766A6-3C10-4AB8-86A1-BB1F0CDA7EFE}" type="datetimeFigureOut">
               <a:rPr lang="en-US" smtClean="0"/>
               <a:pPr/>
-              <a:t>10/15/2023</a:t>
+              <a:t>10/16/2023</a:t>
             </a:fld>
             <a:endParaRPr lang="en-US" dirty="0"/>
           </a:p>
@@ -13957,7 +13957,7 @@
             <a:fld id="{FD2766A6-3C10-4AB8-86A1-BB1F0CDA7EFE}" type="datetimeFigureOut">
               <a:rPr lang="en-US" smtClean="0"/>
               <a:pPr/>
-              <a:t>10/15/2023</a:t>
+              <a:t>10/16/2023</a:t>
             </a:fld>
             <a:endParaRPr lang="en-US" dirty="0"/>
           </a:p>
@@ -14231,7 +14231,7 @@
             <a:fld id="{FD2766A6-3C10-4AB8-86A1-BB1F0CDA7EFE}" type="datetimeFigureOut">
               <a:rPr lang="en-US" smtClean="0"/>
               <a:pPr/>
-              <a:t>10/15/2023</a:t>
+              <a:t>10/16/2023</a:t>
             </a:fld>
             <a:endParaRPr lang="en-US" dirty="0"/>
           </a:p>
@@ -16984,7 +16984,7 @@
             <a:fld id="{FD2766A6-3C10-4AB8-86A1-BB1F0CDA7EFE}" type="datetimeFigureOut">
               <a:rPr lang="en-US" smtClean="0"/>
               <a:pPr/>
-              <a:t>10/15/2023</a:t>
+              <a:t>10/16/2023</a:t>
             </a:fld>
             <a:endParaRPr lang="en-US" dirty="0"/>
           </a:p>
@@ -17680,7 +17680,7 @@
             </a:r>
             <a:r>
               <a:rPr lang="ko-KR" altLang="en-US" sz="1800" dirty="0"/>
-              <a:t>슈팅</a:t>
+              <a:t>스포츠</a:t>
             </a:r>
             <a:r>
               <a:rPr lang="en-US" altLang="ko-KR" sz="1800" dirty="0"/>
@@ -17710,8 +17710,305 @@
         </p:nvSpPr>
         <p:spPr bwMode="gray">
           <a:xfrm>
-            <a:off x="609600" y="3432671"/>
-            <a:ext cx="5486400" cy="1623962"/>
+            <a:off x="609600" y="3432670"/>
+            <a:ext cx="5486400" cy="2548251"/>
+          </a:xfrm>
+          <a:prstGeom prst="rect">
+            <a:avLst/>
+          </a:prstGeom>
+        </p:spPr>
+        <p:txBody>
+          <a:bodyPr vert="horz" lIns="91440" tIns="45720" rIns="91440" bIns="45720" rtlCol="0">
+            <a:normAutofit fontScale="92500" lnSpcReduction="10000"/>
+          </a:bodyPr>
+          <a:lstStyle>
+            <a:lvl1pPr marL="342900" indent="-342900" algn="l" defTabSz="914400" rtl="0" eaLnBrk="1" latinLnBrk="1" hangingPunct="1">
+              <a:spcBef>
+                <a:spcPct val="20000"/>
+              </a:spcBef>
+              <a:buClr>
+                <a:schemeClr val="accent5"/>
+              </a:buClr>
+              <a:buSzPct val="85000"/>
+              <a:buFont typeface="Wingdings" pitchFamily="2" charset="2"/>
+              <a:buChar char="¢"/>
+              <a:defRPr lang="en-US" sz="3200" kern="1200" smtClean="0">
+                <a:solidFill>
+                  <a:schemeClr val="tx1"/>
+                </a:solidFill>
+                <a:latin typeface="+mn-lt"/>
+                <a:ea typeface="+mn-ea"/>
+                <a:cs typeface="+mn-cs"/>
+              </a:defRPr>
+            </a:lvl1pPr>
+            <a:lvl2pPr marL="742950" indent="-285750" algn="l" defTabSz="914400" rtl="0" eaLnBrk="1" latinLnBrk="1" hangingPunct="1">
+              <a:spcBef>
+                <a:spcPct val="20000"/>
+              </a:spcBef>
+              <a:buClr>
+                <a:schemeClr val="accent4"/>
+              </a:buClr>
+              <a:buSzPct val="85000"/>
+              <a:buFont typeface="Wingdings" pitchFamily="2" charset="2"/>
+              <a:buChar char="¤"/>
+              <a:defRPr lang="en-US" sz="2800" kern="1200" smtClean="0">
+                <a:solidFill>
+                  <a:schemeClr val="tx1"/>
+                </a:solidFill>
+                <a:latin typeface="+mn-lt"/>
+                <a:ea typeface="+mn-ea"/>
+                <a:cs typeface="+mn-cs"/>
+              </a:defRPr>
+            </a:lvl2pPr>
+            <a:lvl3pPr marL="1143000" indent="-228600" algn="l" defTabSz="914400" rtl="0" eaLnBrk="1" latinLnBrk="1" hangingPunct="1">
+              <a:spcBef>
+                <a:spcPct val="20000"/>
+              </a:spcBef>
+              <a:buClr>
+                <a:schemeClr val="accent3"/>
+              </a:buClr>
+              <a:buSzPct val="85000"/>
+              <a:buFont typeface="Wingdings" pitchFamily="2" charset="2"/>
+              <a:buChar char="¤"/>
+              <a:defRPr lang="en-US" sz="2400" kern="1200" smtClean="0">
+                <a:solidFill>
+                  <a:schemeClr val="tx1"/>
+                </a:solidFill>
+                <a:latin typeface="+mn-lt"/>
+                <a:ea typeface="+mn-ea"/>
+                <a:cs typeface="+mn-cs"/>
+              </a:defRPr>
+            </a:lvl3pPr>
+            <a:lvl4pPr marL="1600200" indent="-228600" algn="l" defTabSz="914400" rtl="0" eaLnBrk="1" latinLnBrk="1" hangingPunct="1">
+              <a:spcBef>
+                <a:spcPct val="20000"/>
+              </a:spcBef>
+              <a:buClr>
+                <a:schemeClr val="accent2"/>
+              </a:buClr>
+              <a:buSzPct val="85000"/>
+              <a:buFont typeface="Wingdings" pitchFamily="2" charset="2"/>
+              <a:buChar char="¤"/>
+              <a:defRPr lang="en-US" sz="2000" kern="1200" smtClean="0">
+                <a:solidFill>
+                  <a:schemeClr val="tx1"/>
+                </a:solidFill>
+                <a:latin typeface="+mn-lt"/>
+                <a:ea typeface="+mn-ea"/>
+                <a:cs typeface="+mn-cs"/>
+              </a:defRPr>
+            </a:lvl4pPr>
+            <a:lvl5pPr marL="2057400" indent="-228600" algn="l" defTabSz="914400" rtl="0" eaLnBrk="1" latinLnBrk="1" hangingPunct="1">
+              <a:spcBef>
+                <a:spcPct val="20000"/>
+              </a:spcBef>
+              <a:buClr>
+                <a:schemeClr val="accent6"/>
+              </a:buClr>
+              <a:buSzPct val="85000"/>
+              <a:buFont typeface="Wingdings" pitchFamily="2" charset="2"/>
+              <a:buChar char="¤"/>
+              <a:defRPr lang="en-US" sz="2000" kern="1200" smtClean="0">
+                <a:solidFill>
+                  <a:schemeClr val="tx1"/>
+                </a:solidFill>
+                <a:latin typeface="+mn-lt"/>
+                <a:ea typeface="+mn-ea"/>
+                <a:cs typeface="+mn-cs"/>
+              </a:defRPr>
+            </a:lvl5pPr>
+            <a:lvl6pPr marL="2514600" indent="-228600" algn="l" defTabSz="914400" rtl="0" eaLnBrk="1" latinLnBrk="1" hangingPunct="1">
+              <a:spcBef>
+                <a:spcPct val="20000"/>
+              </a:spcBef>
+              <a:buFont typeface="Arial" pitchFamily="34" charset="0"/>
+              <a:buChar char="•"/>
+              <a:defRPr sz="2000" kern="1200">
+                <a:solidFill>
+                  <a:schemeClr val="tx1"/>
+                </a:solidFill>
+                <a:latin typeface="+mn-lt"/>
+                <a:ea typeface="+mn-ea"/>
+                <a:cs typeface="+mn-cs"/>
+              </a:defRPr>
+            </a:lvl6pPr>
+            <a:lvl7pPr marL="2971800" indent="-228600" algn="l" defTabSz="914400" rtl="0" eaLnBrk="1" latinLnBrk="1" hangingPunct="1">
+              <a:spcBef>
+                <a:spcPct val="20000"/>
+              </a:spcBef>
+              <a:buFont typeface="Arial" pitchFamily="34" charset="0"/>
+              <a:buChar char="•"/>
+              <a:defRPr sz="2000" kern="1200">
+                <a:solidFill>
+                  <a:schemeClr val="tx1"/>
+                </a:solidFill>
+                <a:latin typeface="+mn-lt"/>
+                <a:ea typeface="+mn-ea"/>
+                <a:cs typeface="+mn-cs"/>
+              </a:defRPr>
+            </a:lvl7pPr>
+            <a:lvl8pPr marL="3429000" indent="-228600" algn="l" defTabSz="914400" rtl="0" eaLnBrk="1" latinLnBrk="1" hangingPunct="1">
+              <a:spcBef>
+                <a:spcPct val="20000"/>
+              </a:spcBef>
+              <a:buFont typeface="Arial" pitchFamily="34" charset="0"/>
+              <a:buChar char="•"/>
+              <a:defRPr sz="2000" kern="1200">
+                <a:solidFill>
+                  <a:schemeClr val="tx1"/>
+                </a:solidFill>
+                <a:latin typeface="+mn-lt"/>
+                <a:ea typeface="+mn-ea"/>
+                <a:cs typeface="+mn-cs"/>
+              </a:defRPr>
+            </a:lvl8pPr>
+            <a:lvl9pPr marL="3886200" indent="-228600" algn="l" defTabSz="914400" rtl="0" eaLnBrk="1" latinLnBrk="1" hangingPunct="1">
+              <a:spcBef>
+                <a:spcPct val="20000"/>
+              </a:spcBef>
+              <a:buFont typeface="Arial" pitchFamily="34" charset="0"/>
+              <a:buChar char="•"/>
+              <a:defRPr sz="2000" kern="1200">
+                <a:solidFill>
+                  <a:schemeClr val="tx1"/>
+                </a:solidFill>
+                <a:latin typeface="+mn-lt"/>
+                <a:ea typeface="+mn-ea"/>
+                <a:cs typeface="+mn-cs"/>
+              </a:defRPr>
+            </a:lvl9pPr>
+          </a:lstStyle>
+          <a:p>
+            <a:r>
+              <a:rPr lang="ko-KR" altLang="en-US" sz="2500" b="1" dirty="0"/>
+              <a:t>플레이 방법</a:t>
+            </a:r>
+          </a:p>
+          <a:p>
+            <a:pPr marL="0" indent="0">
+              <a:buFont typeface="Wingdings" pitchFamily="2" charset="2"/>
+              <a:buNone/>
+            </a:pPr>
+            <a:r>
+              <a:rPr lang="en-US" altLang="ko-KR" sz="1800" dirty="0"/>
+              <a:t>- </a:t>
+            </a:r>
+            <a:r>
+              <a:rPr lang="ko-KR" altLang="en-US" sz="1800" dirty="0"/>
+              <a:t>플레이어는 점프로 허들을 넘어가면서 플레이합니다</a:t>
+            </a:r>
+            <a:r>
+              <a:rPr lang="en-US" altLang="ko-KR" sz="1800" dirty="0"/>
+              <a:t>.</a:t>
+            </a:r>
+          </a:p>
+          <a:p>
+            <a:pPr marL="0" indent="0">
+              <a:buFont typeface="Wingdings" pitchFamily="2" charset="2"/>
+              <a:buNone/>
+            </a:pPr>
+            <a:r>
+              <a:rPr lang="en-US" altLang="ko-KR" sz="1800" dirty="0"/>
+              <a:t>- </a:t>
+            </a:r>
+            <a:r>
+              <a:rPr lang="ko-KR" altLang="en-US" sz="1800" dirty="0"/>
+              <a:t>플레이어는 이동 중에 사격이 가능합니다</a:t>
+            </a:r>
+            <a:r>
+              <a:rPr lang="en-US" altLang="ko-KR" sz="1800" dirty="0"/>
+              <a:t>. </a:t>
+            </a:r>
+            <a:r>
+              <a:rPr lang="ko-KR" altLang="en-US" sz="1800" dirty="0"/>
+              <a:t>총알에 명중한 </a:t>
+            </a:r>
+            <a:r>
+              <a:rPr lang="ko-KR" altLang="en-US" sz="1800" dirty="0" err="1"/>
+              <a:t>과녁은</a:t>
+            </a:r>
+            <a:r>
+              <a:rPr lang="ko-KR" altLang="en-US" sz="1800" dirty="0"/>
+              <a:t> 사라지며</a:t>
+            </a:r>
+            <a:r>
+              <a:rPr lang="en-US" altLang="ko-KR" sz="1800" dirty="0"/>
+              <a:t>,</a:t>
+            </a:r>
+            <a:r>
+              <a:rPr lang="ko-KR" altLang="en-US" sz="1800" dirty="0"/>
+              <a:t> 명중한 위치에 따라 각기 다른 점수를 얻을 수 있습니다</a:t>
+            </a:r>
+            <a:r>
+              <a:rPr lang="en-US" altLang="ko-KR" sz="1800" dirty="0"/>
+              <a:t>.</a:t>
+            </a:r>
+          </a:p>
+          <a:p>
+            <a:pPr marL="0" indent="0">
+              <a:buFont typeface="Wingdings" pitchFamily="2" charset="2"/>
+              <a:buNone/>
+            </a:pPr>
+            <a:r>
+              <a:rPr lang="en-US" altLang="ko-KR" sz="1800" dirty="0"/>
+              <a:t>- </a:t>
+            </a:r>
+            <a:r>
+              <a:rPr lang="ko-KR" altLang="en-US" sz="1800" dirty="0"/>
+              <a:t>플레이어가 도착지점에 도달하면 게임이 </a:t>
+            </a:r>
+            <a:r>
+              <a:rPr lang="ko-KR" altLang="en-US" sz="1800" dirty="0" err="1"/>
+              <a:t>클리어되고</a:t>
+            </a:r>
+            <a:r>
+              <a:rPr lang="ko-KR" altLang="en-US" sz="1800" dirty="0"/>
+              <a:t> 과녁에 명중한 점수로 최종 점수가 결정이 됩니다</a:t>
+            </a:r>
+            <a:r>
+              <a:rPr lang="en-US" altLang="ko-KR" sz="1800" dirty="0"/>
+              <a:t>.</a:t>
+            </a:r>
+          </a:p>
+          <a:p>
+            <a:pPr marL="0" indent="0">
+              <a:buFont typeface="Wingdings" pitchFamily="2" charset="2"/>
+              <a:buNone/>
+            </a:pPr>
+            <a:r>
+              <a:rPr lang="en-US" altLang="ko-KR" sz="1800" dirty="0"/>
+              <a:t>-</a:t>
+            </a:r>
+            <a:r>
+              <a:rPr lang="ko-KR" altLang="en-US" sz="1800" dirty="0"/>
+              <a:t> 플레이어는 이동하는 도중 허들에 걸리게 되면 실격처리가 됩니다</a:t>
+            </a:r>
+            <a:r>
+              <a:rPr lang="en-US" altLang="ko-KR" sz="1800" dirty="0"/>
+              <a:t>.</a:t>
+            </a:r>
+            <a:endParaRPr lang="ko-KR" altLang="en-US" sz="2500" dirty="0"/>
+          </a:p>
+        </p:txBody>
+      </p:sp>
+      <p:sp>
+        <p:nvSpPr>
+          <p:cNvPr id="13" name="내용 개체 틀 4">
+            <a:extLst>
+              <a:ext uri="{FF2B5EF4-FFF2-40B4-BE49-F238E27FC236}">
+                <a16:creationId xmlns:a16="http://schemas.microsoft.com/office/drawing/2014/main" id="{E8ED2670-436B-105C-BEF0-3FCC70A4855B}"/>
+              </a:ext>
+            </a:extLst>
+          </p:cNvPr>
+          <p:cNvSpPr txBox="1">
+            <a:spLocks/>
+          </p:cNvSpPr>
+          <p:nvPr/>
+        </p:nvSpPr>
+        <p:spPr bwMode="gray">
+          <a:xfrm>
+            <a:off x="6096000" y="3425328"/>
+            <a:ext cx="5486400" cy="1790483"/>
           </a:xfrm>
           <a:prstGeom prst="rect">
             <a:avLst/>
@@ -17881,7 +18178,7 @@
           <a:p>
             <a:r>
               <a:rPr lang="ko-KR" altLang="en-US" sz="2500" b="1" dirty="0"/>
-              <a:t>플레이 방법</a:t>
+              <a:t>특징</a:t>
             </a:r>
           </a:p>
           <a:p>
@@ -17895,7 +18192,15 @@
             </a:r>
             <a:r>
               <a:rPr lang="ko-KR" altLang="en-US" sz="1800" dirty="0"/>
-              <a:t>플레이어는 다가오는 장애물과 몬스터의 방해로부터 피하거나 공격하면서 진행합니다</a:t>
+              <a:t>게임의 재미를 위해 장애물달리기 </a:t>
+            </a:r>
+            <a:r>
+              <a:rPr lang="en-US" altLang="ko-KR" sz="1800" dirty="0"/>
+              <a:t>+ </a:t>
+            </a:r>
+            <a:r>
+              <a:rPr lang="ko-KR" altLang="en-US" sz="1800" dirty="0"/>
+              <a:t>사격이 추가된 스포츠 게임입니다</a:t>
             </a:r>
             <a:r>
               <a:rPr lang="en-US" altLang="ko-KR" sz="1800" dirty="0"/>
@@ -17913,282 +18218,7 @@
             </a:r>
             <a:r>
               <a:rPr lang="ko-KR" altLang="en-US" sz="1800" dirty="0"/>
-              <a:t>도착지점에 골인하면 게임이 클리어 됩니다</a:t>
-            </a:r>
-            <a:r>
-              <a:rPr lang="en-US" altLang="ko-KR" sz="1800" dirty="0"/>
-              <a:t>.</a:t>
-            </a:r>
-          </a:p>
-          <a:p>
-            <a:pPr marL="0" indent="0">
-              <a:buFont typeface="Wingdings" pitchFamily="2" charset="2"/>
-              <a:buNone/>
-            </a:pPr>
-            <a:endParaRPr lang="ko-KR" altLang="en-US" sz="2500" dirty="0"/>
-          </a:p>
-        </p:txBody>
-      </p:sp>
-      <p:sp>
-        <p:nvSpPr>
-          <p:cNvPr id="13" name="내용 개체 틀 4">
-            <a:extLst>
-              <a:ext uri="{FF2B5EF4-FFF2-40B4-BE49-F238E27FC236}">
-                <a16:creationId xmlns:a16="http://schemas.microsoft.com/office/drawing/2014/main" id="{E8ED2670-436B-105C-BEF0-3FCC70A4855B}"/>
-              </a:ext>
-            </a:extLst>
-          </p:cNvPr>
-          <p:cNvSpPr txBox="1">
-            <a:spLocks/>
-          </p:cNvSpPr>
-          <p:nvPr/>
-        </p:nvSpPr>
-        <p:spPr bwMode="gray">
-          <a:xfrm>
-            <a:off x="6096000" y="3425328"/>
-            <a:ext cx="5486400" cy="1790483"/>
-          </a:xfrm>
-          <a:prstGeom prst="rect">
-            <a:avLst/>
-          </a:prstGeom>
-        </p:spPr>
-        <p:txBody>
-          <a:bodyPr vert="horz" lIns="91440" tIns="45720" rIns="91440" bIns="45720" rtlCol="0">
-            <a:normAutofit lnSpcReduction="10000"/>
-          </a:bodyPr>
-          <a:lstStyle>
-            <a:lvl1pPr marL="342900" indent="-342900" algn="l" defTabSz="914400" rtl="0" eaLnBrk="1" latinLnBrk="1" hangingPunct="1">
-              <a:spcBef>
-                <a:spcPct val="20000"/>
-              </a:spcBef>
-              <a:buClr>
-                <a:schemeClr val="accent5"/>
-              </a:buClr>
-              <a:buSzPct val="85000"/>
-              <a:buFont typeface="Wingdings" pitchFamily="2" charset="2"/>
-              <a:buChar char="¢"/>
-              <a:defRPr lang="en-US" sz="3200" kern="1200" smtClean="0">
-                <a:solidFill>
-                  <a:schemeClr val="tx1"/>
-                </a:solidFill>
-                <a:latin typeface="+mn-lt"/>
-                <a:ea typeface="+mn-ea"/>
-                <a:cs typeface="+mn-cs"/>
-              </a:defRPr>
-            </a:lvl1pPr>
-            <a:lvl2pPr marL="742950" indent="-285750" algn="l" defTabSz="914400" rtl="0" eaLnBrk="1" latinLnBrk="1" hangingPunct="1">
-              <a:spcBef>
-                <a:spcPct val="20000"/>
-              </a:spcBef>
-              <a:buClr>
-                <a:schemeClr val="accent4"/>
-              </a:buClr>
-              <a:buSzPct val="85000"/>
-              <a:buFont typeface="Wingdings" pitchFamily="2" charset="2"/>
-              <a:buChar char="¤"/>
-              <a:defRPr lang="en-US" sz="2800" kern="1200" smtClean="0">
-                <a:solidFill>
-                  <a:schemeClr val="tx1"/>
-                </a:solidFill>
-                <a:latin typeface="+mn-lt"/>
-                <a:ea typeface="+mn-ea"/>
-                <a:cs typeface="+mn-cs"/>
-              </a:defRPr>
-            </a:lvl2pPr>
-            <a:lvl3pPr marL="1143000" indent="-228600" algn="l" defTabSz="914400" rtl="0" eaLnBrk="1" latinLnBrk="1" hangingPunct="1">
-              <a:spcBef>
-                <a:spcPct val="20000"/>
-              </a:spcBef>
-              <a:buClr>
-                <a:schemeClr val="accent3"/>
-              </a:buClr>
-              <a:buSzPct val="85000"/>
-              <a:buFont typeface="Wingdings" pitchFamily="2" charset="2"/>
-              <a:buChar char="¤"/>
-              <a:defRPr lang="en-US" sz="2400" kern="1200" smtClean="0">
-                <a:solidFill>
-                  <a:schemeClr val="tx1"/>
-                </a:solidFill>
-                <a:latin typeface="+mn-lt"/>
-                <a:ea typeface="+mn-ea"/>
-                <a:cs typeface="+mn-cs"/>
-              </a:defRPr>
-            </a:lvl3pPr>
-            <a:lvl4pPr marL="1600200" indent="-228600" algn="l" defTabSz="914400" rtl="0" eaLnBrk="1" latinLnBrk="1" hangingPunct="1">
-              <a:spcBef>
-                <a:spcPct val="20000"/>
-              </a:spcBef>
-              <a:buClr>
-                <a:schemeClr val="accent2"/>
-              </a:buClr>
-              <a:buSzPct val="85000"/>
-              <a:buFont typeface="Wingdings" pitchFamily="2" charset="2"/>
-              <a:buChar char="¤"/>
-              <a:defRPr lang="en-US" sz="2000" kern="1200" smtClean="0">
-                <a:solidFill>
-                  <a:schemeClr val="tx1"/>
-                </a:solidFill>
-                <a:latin typeface="+mn-lt"/>
-                <a:ea typeface="+mn-ea"/>
-                <a:cs typeface="+mn-cs"/>
-              </a:defRPr>
-            </a:lvl4pPr>
-            <a:lvl5pPr marL="2057400" indent="-228600" algn="l" defTabSz="914400" rtl="0" eaLnBrk="1" latinLnBrk="1" hangingPunct="1">
-              <a:spcBef>
-                <a:spcPct val="20000"/>
-              </a:spcBef>
-              <a:buClr>
-                <a:schemeClr val="accent6"/>
-              </a:buClr>
-              <a:buSzPct val="85000"/>
-              <a:buFont typeface="Wingdings" pitchFamily="2" charset="2"/>
-              <a:buChar char="¤"/>
-              <a:defRPr lang="en-US" sz="2000" kern="1200" smtClean="0">
-                <a:solidFill>
-                  <a:schemeClr val="tx1"/>
-                </a:solidFill>
-                <a:latin typeface="+mn-lt"/>
-                <a:ea typeface="+mn-ea"/>
-                <a:cs typeface="+mn-cs"/>
-              </a:defRPr>
-            </a:lvl5pPr>
-            <a:lvl6pPr marL="2514600" indent="-228600" algn="l" defTabSz="914400" rtl="0" eaLnBrk="1" latinLnBrk="1" hangingPunct="1">
-              <a:spcBef>
-                <a:spcPct val="20000"/>
-              </a:spcBef>
-              <a:buFont typeface="Arial" pitchFamily="34" charset="0"/>
-              <a:buChar char="•"/>
-              <a:defRPr sz="2000" kern="1200">
-                <a:solidFill>
-                  <a:schemeClr val="tx1"/>
-                </a:solidFill>
-                <a:latin typeface="+mn-lt"/>
-                <a:ea typeface="+mn-ea"/>
-                <a:cs typeface="+mn-cs"/>
-              </a:defRPr>
-            </a:lvl6pPr>
-            <a:lvl7pPr marL="2971800" indent="-228600" algn="l" defTabSz="914400" rtl="0" eaLnBrk="1" latinLnBrk="1" hangingPunct="1">
-              <a:spcBef>
-                <a:spcPct val="20000"/>
-              </a:spcBef>
-              <a:buFont typeface="Arial" pitchFamily="34" charset="0"/>
-              <a:buChar char="•"/>
-              <a:defRPr sz="2000" kern="1200">
-                <a:solidFill>
-                  <a:schemeClr val="tx1"/>
-                </a:solidFill>
-                <a:latin typeface="+mn-lt"/>
-                <a:ea typeface="+mn-ea"/>
-                <a:cs typeface="+mn-cs"/>
-              </a:defRPr>
-            </a:lvl7pPr>
-            <a:lvl8pPr marL="3429000" indent="-228600" algn="l" defTabSz="914400" rtl="0" eaLnBrk="1" latinLnBrk="1" hangingPunct="1">
-              <a:spcBef>
-                <a:spcPct val="20000"/>
-              </a:spcBef>
-              <a:buFont typeface="Arial" pitchFamily="34" charset="0"/>
-              <a:buChar char="•"/>
-              <a:defRPr sz="2000" kern="1200">
-                <a:solidFill>
-                  <a:schemeClr val="tx1"/>
-                </a:solidFill>
-                <a:latin typeface="+mn-lt"/>
-                <a:ea typeface="+mn-ea"/>
-                <a:cs typeface="+mn-cs"/>
-              </a:defRPr>
-            </a:lvl8pPr>
-            <a:lvl9pPr marL="3886200" indent="-228600" algn="l" defTabSz="914400" rtl="0" eaLnBrk="1" latinLnBrk="1" hangingPunct="1">
-              <a:spcBef>
-                <a:spcPct val="20000"/>
-              </a:spcBef>
-              <a:buFont typeface="Arial" pitchFamily="34" charset="0"/>
-              <a:buChar char="•"/>
-              <a:defRPr sz="2000" kern="1200">
-                <a:solidFill>
-                  <a:schemeClr val="tx1"/>
-                </a:solidFill>
-                <a:latin typeface="+mn-lt"/>
-                <a:ea typeface="+mn-ea"/>
-                <a:cs typeface="+mn-cs"/>
-              </a:defRPr>
-            </a:lvl9pPr>
-          </a:lstStyle>
-          <a:p>
-            <a:r>
-              <a:rPr lang="ko-KR" altLang="en-US" sz="2500" b="1" dirty="0"/>
-              <a:t>특징</a:t>
-            </a:r>
-          </a:p>
-          <a:p>
-            <a:pPr marL="0" indent="0">
-              <a:buFont typeface="Wingdings" pitchFamily="2" charset="2"/>
-              <a:buNone/>
-            </a:pPr>
-            <a:r>
-              <a:rPr lang="en-US" altLang="ko-KR" sz="1800" dirty="0"/>
-              <a:t>- </a:t>
-            </a:r>
-            <a:r>
-              <a:rPr lang="ko-KR" altLang="en-US" sz="1800" dirty="0"/>
-              <a:t>장애물 달리기에서 재미를 위해 게임적인 요소</a:t>
-            </a:r>
-            <a:r>
-              <a:rPr lang="en-US" altLang="ko-KR" sz="1800" dirty="0"/>
-              <a:t>(</a:t>
-            </a:r>
-            <a:r>
-              <a:rPr lang="ko-KR" altLang="en-US" sz="1800" dirty="0"/>
-              <a:t>슈팅</a:t>
-            </a:r>
-            <a:r>
-              <a:rPr lang="en-US" altLang="ko-KR" sz="1800" dirty="0"/>
-              <a:t>, </a:t>
-            </a:r>
-            <a:r>
-              <a:rPr lang="ko-KR" altLang="en-US" sz="1800" dirty="0"/>
-              <a:t>몬스터 등</a:t>
-            </a:r>
-            <a:r>
-              <a:rPr lang="en-US" altLang="ko-KR" sz="1800" dirty="0"/>
-              <a:t>)</a:t>
-            </a:r>
-            <a:r>
-              <a:rPr lang="ko-KR" altLang="en-US" sz="1800" dirty="0"/>
-              <a:t>가 추가된 게임입니다</a:t>
-            </a:r>
-            <a:r>
-              <a:rPr lang="en-US" altLang="ko-KR" sz="1800" dirty="0"/>
-              <a:t>.</a:t>
-            </a:r>
-          </a:p>
-          <a:p>
-            <a:pPr marL="0" indent="0">
-              <a:buFont typeface="Wingdings" pitchFamily="2" charset="2"/>
-              <a:buNone/>
-            </a:pPr>
-            <a:r>
-              <a:rPr lang="en-US" altLang="ko-KR" sz="1800" dirty="0"/>
-              <a:t>- </a:t>
-            </a:r>
-            <a:r>
-              <a:rPr lang="ko-KR" altLang="en-US" sz="1800" dirty="0"/>
-              <a:t>목숨은 </a:t>
-            </a:r>
-            <a:r>
-              <a:rPr lang="en-US" altLang="ko-KR" sz="1800" dirty="0"/>
-              <a:t>3</a:t>
-            </a:r>
-            <a:r>
-              <a:rPr lang="ko-KR" altLang="en-US" sz="1800" dirty="0"/>
-              <a:t>개로 제한됩니다</a:t>
-            </a:r>
-            <a:r>
-              <a:rPr lang="en-US" altLang="ko-KR" sz="1800" dirty="0"/>
-              <a:t>. </a:t>
-            </a:r>
-            <a:r>
-              <a:rPr lang="ko-KR" altLang="en-US" sz="1800" dirty="0"/>
-              <a:t>목숨이 모두 소진되면 클리어에 실패하기 때문에 점프와 슈팅의 정밀한 컨트롤이 요구됩니다</a:t>
+              <a:t>점프와 사격의 정밀한 컨트롤이 요구됩니다</a:t>
             </a:r>
             <a:r>
               <a:rPr lang="en-US" altLang="ko-KR" sz="1800" dirty="0"/>
@@ -19097,7 +19127,15 @@
             </a:r>
             <a:r>
               <a:rPr lang="ko-KR" altLang="en-US" sz="1800" dirty="0"/>
-              <a:t>플레이어가 최종 도착 지점에 도착하면 클리어 문구가 나오고 특정 키 입력 시 프로그램이 종료됩니다</a:t>
+              <a:t>플레이어가 최종 도착 지점에 도착하면 </a:t>
+            </a:r>
+            <a:r>
+              <a:rPr lang="en-US" altLang="ko-KR" sz="1800" dirty="0"/>
+              <a:t>“Finish”</a:t>
+            </a:r>
+            <a:r>
+              <a:rPr lang="ko-KR" altLang="en-US" sz="1800" dirty="0"/>
+              <a:t> 문구와 함께 점수가 화면에 출력됩니다</a:t>
             </a:r>
             <a:r>
               <a:rPr lang="en-US" altLang="ko-KR" sz="1800" dirty="0"/>
@@ -19464,13 +19502,16 @@
             </a:r>
             <a:r>
               <a:rPr lang="en-US" altLang="ko-KR" sz="1800" dirty="0"/>
+              <a:t>. </a:t>
+            </a:r>
+            <a:r>
+              <a:rPr lang="ko-KR" altLang="en-US" sz="1800" dirty="0"/>
+              <a:t>아래 선인장 대신 허들이 등장합니다</a:t>
+            </a:r>
+            <a:r>
+              <a:rPr lang="en-US" altLang="ko-KR" sz="1800" dirty="0"/>
               <a:t>.</a:t>
             </a:r>
-            <a:r>
-              <a:rPr lang="ko-KR" altLang="en-US" sz="1800" dirty="0"/>
-              <a:t> </a:t>
-            </a:r>
-            <a:endParaRPr lang="en-US" altLang="ko-KR" sz="1800" dirty="0"/>
           </a:p>
           <a:p>
             <a:pPr marL="0" indent="0">
@@ -19482,7 +19523,7 @@
             </a:r>
             <a:r>
               <a:rPr lang="ko-KR" altLang="en-US" sz="1800" dirty="0"/>
-              <a:t>플레이어는 오른쪽과 같은 이미지이며 슈팅 공격이 가능합니다</a:t>
+              <a:t>플레이어는 오른쪽과 같은 이미지이며 사격이 가능합니다</a:t>
             </a:r>
             <a:r>
               <a:rPr lang="en-US" altLang="ko-KR" sz="1800" dirty="0"/>
@@ -19490,7 +19531,7 @@
             </a:r>
             <a:r>
               <a:rPr lang="ko-KR" altLang="en-US" sz="1800" dirty="0"/>
-              <a:t> 플레이어를 위협하는 몬스터가 따로 등장합니다</a:t>
+              <a:t> 플레이 중 과녁이 등장합니다</a:t>
             </a:r>
             <a:r>
               <a:rPr lang="en-US" altLang="ko-KR" sz="1800" dirty="0"/>
@@ -19545,7 +19586,7 @@
             <p:ph idx="1"/>
             <p:extLst>
               <p:ext uri="{D42A27DB-BD31-4B8C-83A1-F6EECF244321}">
-                <p14:modId xmlns:p14="http://schemas.microsoft.com/office/powerpoint/2010/main" val="2481119606"/>
+                <p14:modId xmlns:p14="http://schemas.microsoft.com/office/powerpoint/2010/main" val="1501612221"/>
               </p:ext>
             </p:extLst>
           </p:nvPr>
@@ -19774,11 +19815,11 @@
                       <a:pPr latinLnBrk="1"/>
                       <a:r>
                         <a:rPr lang="en-US" altLang="ko-KR" dirty="0"/>
-                        <a:t>Scene</a:t>
+                        <a:t>Scene, </a:t>
                       </a:r>
                       <a:r>
                         <a:rPr lang="ko-KR" altLang="en-US" dirty="0"/>
-                        <a:t> 생성</a:t>
+                        <a:t>기본 오브젝트 생성</a:t>
                       </a:r>
                     </a:p>
                   </a:txBody>
@@ -19800,7 +19841,7 @@
                       </a:r>
                       <a:r>
                         <a:rPr lang="ko-KR" altLang="en-US" sz="900" dirty="0"/>
-                        <a:t>을 생성하고 렌더링합니다</a:t>
+                        <a:t>과 기본 오브젝트를 생성하고 렌더링합니다</a:t>
                       </a:r>
                       <a:r>
                         <a:rPr lang="en-US" altLang="ko-KR" sz="900" dirty="0"/>
@@ -19811,7 +19852,7 @@
                       <a:pPr latinLnBrk="1"/>
                       <a:r>
                         <a:rPr lang="en-US" altLang="ko-KR" sz="900" dirty="0"/>
-                        <a:t>ex) </a:t>
+                        <a:t>Ex) </a:t>
                       </a:r>
                       <a:r>
                         <a:rPr lang="ko-KR" altLang="en-US" sz="900" dirty="0"/>
@@ -19827,9 +19868,12 @@
                       </a:r>
                       <a:r>
                         <a:rPr lang="en-US" altLang="ko-KR" sz="900" dirty="0"/>
-                        <a:t> Scene</a:t>
+                        <a:t> Scene, </a:t>
                       </a:r>
-                      <a:endParaRPr lang="ko-KR" altLang="en-US" sz="900" dirty="0"/>
+                      <a:r>
+                        <a:rPr lang="ko-KR" altLang="en-US" sz="900" dirty="0"/>
+                        <a:t>플레이어 오브젝트 생성 및 렌더링</a:t>
+                      </a:r>
                     </a:p>
                   </a:txBody>
                   <a:tcPr/>
@@ -19883,7 +19927,7 @@
                       </a:pPr>
                       <a:r>
                         <a:rPr lang="ko-KR" altLang="en-US" dirty="0"/>
-                        <a:t>오브젝트 생성 및 구현</a:t>
+                        <a:t>오브젝트 구현</a:t>
                       </a:r>
                       <a:r>
                         <a:rPr lang="en-US" altLang="ko-KR" dirty="0"/>
@@ -19965,7 +20009,7 @@
                       </a:r>
                       <a:r>
                         <a:rPr lang="ko-KR" altLang="en-US" sz="900" dirty="0"/>
-                        <a:t>플레이어 생성 및 이동</a:t>
+                        <a:t>플레이어 이동 및 사격</a:t>
                       </a:r>
                       <a:r>
                         <a:rPr lang="en-US" altLang="ko-KR" sz="900" dirty="0"/>
@@ -19997,15 +20041,7 @@
                       </a:r>
                       <a:r>
                         <a:rPr lang="ko-KR" altLang="en-US" sz="900" dirty="0"/>
-                        <a:t>장애물</a:t>
-                      </a:r>
-                      <a:r>
-                        <a:rPr lang="en-US" altLang="ko-KR" sz="900" dirty="0"/>
-                        <a:t>, </a:t>
-                      </a:r>
-                      <a:r>
-                        <a:rPr lang="ko-KR" altLang="en-US" sz="900" dirty="0"/>
-                        <a:t>몬스터 등</a:t>
+                        <a:t>장애물 등</a:t>
                       </a:r>
                       <a:endParaRPr lang="en-US" altLang="ko-KR" sz="900" dirty="0"/>
                     </a:p>
@@ -20476,7 +20512,7 @@
             </a:r>
             <a:r>
               <a:rPr lang="ko-KR" altLang="en-US" sz="1500" dirty="0"/>
-              <a:t>슈팅</a:t>
+              <a:t>스포츠</a:t>
             </a:r>
             <a:r>
               <a:rPr lang="en-US" altLang="ko-KR" sz="1500" dirty="0"/>
@@ -20499,7 +20535,7 @@
             </a:r>
             <a:r>
               <a:rPr lang="ko-KR" altLang="en-US" sz="1500" dirty="0"/>
-              <a:t>플레이어 캐릭터를 조작하여 다가오는 장애물을 피하고 방해하는 몬스터를 피하거나 공격합니다</a:t>
+              <a:t>자동으로 달리는 캐릭터를 점프 키와 사격 키로 조작하여 다가오는 장애물을 피하고 과녁이 보이면 사격하여 최대한 점수를 얻는 게임입니다</a:t>
             </a:r>
             <a:r>
               <a:rPr lang="en-US" altLang="ko-KR" sz="1500" dirty="0"/>
@@ -20517,60 +20553,16 @@
             </a:r>
             <a:r>
               <a:rPr lang="ko-KR" altLang="en-US" sz="1500" dirty="0"/>
-              <a:t>도착지점에 골인하면 게임이 클리어 됩니다</a:t>
-            </a:r>
-            <a:r>
-              <a:rPr lang="en-US" altLang="ko-KR" sz="1500" dirty="0"/>
-              <a:t>.</a:t>
-            </a:r>
-          </a:p>
-          <a:p>
-            <a:r>
-              <a:rPr lang="ko-KR" altLang="en-US" sz="1500" dirty="0"/>
-              <a:t>게임 특징</a:t>
+              <a:t>도착지점에 골인</a:t>
             </a:r>
             <a:endParaRPr lang="en-US" altLang="ko-KR" sz="1500" dirty="0"/>
           </a:p>
           <a:p>
-            <a:pPr marL="0" indent="0">
-              <a:buNone/>
-            </a:pPr>
-            <a:r>
-              <a:rPr lang="en-US" altLang="ko-KR" sz="1500" dirty="0"/>
-              <a:t>- </a:t>
-            </a:r>
             <a:r>
               <a:rPr lang="ko-KR" altLang="en-US" sz="1500" dirty="0"/>
-              <a:t>장애물 달리기에서 재미를 위해 게임적인 요소</a:t>
-            </a:r>
-            <a:r>
-              <a:rPr lang="en-US" altLang="ko-KR" sz="1500" dirty="0"/>
-              <a:t>(</a:t>
-            </a:r>
-            <a:r>
-              <a:rPr lang="ko-KR" altLang="en-US" sz="1500" dirty="0"/>
-              <a:t>슈팅</a:t>
-            </a:r>
-            <a:r>
-              <a:rPr lang="en-US" altLang="ko-KR" sz="1500" dirty="0"/>
-              <a:t>, </a:t>
-            </a:r>
-            <a:r>
-              <a:rPr lang="ko-KR" altLang="en-US" sz="1500" dirty="0"/>
-              <a:t>몬스터 등</a:t>
-            </a:r>
-            <a:r>
-              <a:rPr lang="en-US" altLang="ko-KR" sz="1500" dirty="0"/>
-              <a:t>)</a:t>
-            </a:r>
-            <a:r>
-              <a:rPr lang="ko-KR" altLang="en-US" sz="1500" dirty="0"/>
-              <a:t>가 추가된 게임입니다</a:t>
-            </a:r>
-            <a:r>
-              <a:rPr lang="en-US" altLang="ko-KR" sz="1500" dirty="0"/>
-              <a:t>.</a:t>
-            </a:r>
+              <a:t>게임 특징</a:t>
+            </a:r>
+            <a:endParaRPr lang="en-US" altLang="ko-KR" sz="1500" dirty="0"/>
           </a:p>
           <a:p>
             <a:pPr marL="0" indent="0">
@@ -20583,15 +20575,33 @@
             </a:r>
             <a:r>
               <a:rPr lang="ko-KR" altLang="en-US" sz="1500" dirty="0"/>
-              <a:t>목숨이 한정되어 있습니다</a:t>
+              <a:t>게임의 재미를 위해 장애물달리기 </a:t>
             </a:r>
             <a:r>
               <a:rPr lang="en-US" altLang="ko-KR" sz="1500" dirty="0"/>
-              <a:t>. </a:t>
+              <a:t>+ </a:t>
             </a:r>
             <a:r>
               <a:rPr lang="ko-KR" altLang="en-US" sz="1500" dirty="0"/>
-              <a:t>목숨이 모두 소진되면 클리어에 실패하기 때문에 점프와 슈팅의 정밀한 컨트롤이 요구됩니다</a:t>
+              <a:t>사격이 추가된 스포츠 게임입니다</a:t>
+            </a:r>
+            <a:r>
+              <a:rPr lang="en-US" altLang="ko-KR" sz="1500" dirty="0"/>
+              <a:t>.</a:t>
+            </a:r>
+          </a:p>
+          <a:p>
+            <a:pPr marL="0" indent="0">
+              <a:buFont typeface="Wingdings" pitchFamily="2" charset="2"/>
+              <a:buNone/>
+            </a:pPr>
+            <a:r>
+              <a:rPr lang="en-US" altLang="ko-KR" sz="1500" dirty="0"/>
+              <a:t>- </a:t>
+            </a:r>
+            <a:r>
+              <a:rPr lang="ko-KR" altLang="en-US" sz="1500" dirty="0"/>
+              <a:t>점프와 사격의 정밀한 컨트롤이 요구됩니다</a:t>
             </a:r>
             <a:r>
               <a:rPr lang="en-US" altLang="ko-KR" sz="1500" dirty="0"/>
@@ -20637,10 +20647,10 @@
       </p:sp>
       <p:pic>
         <p:nvPicPr>
-          <p:cNvPr id="7" name="그림 6">
+          <p:cNvPr id="5" name="그림 4">
             <a:extLst>
               <a:ext uri="{FF2B5EF4-FFF2-40B4-BE49-F238E27FC236}">
-                <a16:creationId xmlns:a16="http://schemas.microsoft.com/office/drawing/2014/main" id="{2A40A04B-ED34-F856-4003-46C94DD70CAA}"/>
+                <a16:creationId xmlns:a16="http://schemas.microsoft.com/office/drawing/2014/main" id="{2093261C-0073-9D1A-2308-FD2D16165807}"/>
               </a:ext>
             </a:extLst>
           </p:cNvPr>
@@ -20657,8 +20667,8 @@
         </p:blipFill>
         <p:spPr>
           <a:xfrm>
-            <a:off x="609601" y="4064509"/>
-            <a:ext cx="5486400" cy="2520152"/>
+            <a:off x="609600" y="4227337"/>
+            <a:ext cx="5486400" cy="2473321"/>
           </a:xfrm>
           <a:prstGeom prst="rect">
             <a:avLst/>
@@ -20788,7 +20798,7 @@
           <p:nvPr>
             <p:extLst>
               <p:ext uri="{D42A27DB-BD31-4B8C-83A1-F6EECF244321}">
-                <p14:modId xmlns:p14="http://schemas.microsoft.com/office/powerpoint/2010/main" val="722484889"/>
+                <p14:modId xmlns:p14="http://schemas.microsoft.com/office/powerpoint/2010/main" val="4293959882"/>
               </p:ext>
             </p:extLst>
           </p:nvPr>
@@ -21017,11 +21027,11 @@
                       <a:pPr latinLnBrk="1"/>
                       <a:r>
                         <a:rPr lang="en-US" altLang="ko-KR" dirty="0"/>
-                        <a:t>Scene</a:t>
+                        <a:t>Scene, </a:t>
                       </a:r>
                       <a:r>
                         <a:rPr lang="ko-KR" altLang="en-US" dirty="0"/>
-                        <a:t> 생성</a:t>
+                        <a:t>기본 오브젝트 생성</a:t>
                       </a:r>
                     </a:p>
                   </a:txBody>
@@ -21043,7 +21053,7 @@
                       </a:r>
                       <a:r>
                         <a:rPr lang="ko-KR" altLang="en-US" sz="900" dirty="0"/>
-                        <a:t>을 생성하고 렌더링합니다</a:t>
+                        <a:t>과 기본 오브젝트를 생성하고 렌더링합니다</a:t>
                       </a:r>
                       <a:r>
                         <a:rPr lang="en-US" altLang="ko-KR" sz="900" dirty="0"/>
@@ -21054,7 +21064,7 @@
                       <a:pPr latinLnBrk="1"/>
                       <a:r>
                         <a:rPr lang="en-US" altLang="ko-KR" sz="900" dirty="0"/>
-                        <a:t>ex) </a:t>
+                        <a:t>Ex) </a:t>
                       </a:r>
                       <a:r>
                         <a:rPr lang="ko-KR" altLang="en-US" sz="900" dirty="0"/>
@@ -21070,9 +21080,12 @@
                       </a:r>
                       <a:r>
                         <a:rPr lang="en-US" altLang="ko-KR" sz="900" dirty="0"/>
-                        <a:t> Scene</a:t>
+                        <a:t> Scene, </a:t>
                       </a:r>
-                      <a:endParaRPr lang="ko-KR" altLang="en-US" sz="900" dirty="0"/>
+                      <a:r>
+                        <a:rPr lang="ko-KR" altLang="en-US" sz="900" dirty="0"/>
+                        <a:t>플레이어 오브젝트 생성 및 렌더링</a:t>
+                      </a:r>
                     </a:p>
                   </a:txBody>
                   <a:tcPr/>
@@ -21126,7 +21139,7 @@
                       </a:pPr>
                       <a:r>
                         <a:rPr lang="ko-KR" altLang="en-US" dirty="0"/>
-                        <a:t>오브젝트 생성 및 구현</a:t>
+                        <a:t>오브젝트 구현</a:t>
                       </a:r>
                       <a:r>
                         <a:rPr lang="en-US" altLang="ko-KR" dirty="0"/>
@@ -21208,7 +21221,7 @@
                       </a:r>
                       <a:r>
                         <a:rPr lang="ko-KR" altLang="en-US" sz="900" dirty="0"/>
-                        <a:t>플레이어 생성 및 이동</a:t>
+                        <a:t>플레이어 이동 및 사격</a:t>
                       </a:r>
                       <a:r>
                         <a:rPr lang="en-US" altLang="ko-KR" sz="900" dirty="0"/>
@@ -21240,15 +21253,7 @@
                       </a:r>
                       <a:r>
                         <a:rPr lang="ko-KR" altLang="en-US" sz="900" dirty="0"/>
-                        <a:t>장애물</a:t>
-                      </a:r>
-                      <a:r>
-                        <a:rPr lang="en-US" altLang="ko-KR" sz="900" dirty="0"/>
-                        <a:t>, </a:t>
-                      </a:r>
-                      <a:r>
-                        <a:rPr lang="ko-KR" altLang="en-US" sz="900" dirty="0"/>
-                        <a:t>몬스터 등</a:t>
+                        <a:t>장애물 등</a:t>
                       </a:r>
                       <a:endParaRPr lang="en-US" altLang="ko-KR" sz="900" dirty="0"/>
                     </a:p>
@@ -21736,7 +21741,31 @@
             </a:r>
             <a:r>
               <a:rPr lang="ko-KR" altLang="en-US" sz="1100" dirty="0"/>
-              <a:t>으로 돌아가며 사망 시까지 이동 거리와 날짜에 대한 데이터를 파일에 저장합니다</a:t>
+              <a:t>으로 돌아가며 사망 시까지 총합 점수</a:t>
+            </a:r>
+            <a:r>
+              <a:rPr lang="en-US" altLang="ko-KR" sz="1100" dirty="0"/>
+              <a:t>(</a:t>
+            </a:r>
+            <a:r>
+              <a:rPr lang="ko-KR" altLang="en-US" sz="1100" dirty="0"/>
+              <a:t>이동 거리 </a:t>
+            </a:r>
+            <a:r>
+              <a:rPr lang="en-US" altLang="ko-KR" sz="1100" dirty="0"/>
+              <a:t>+ </a:t>
+            </a:r>
+            <a:r>
+              <a:rPr lang="ko-KR" altLang="en-US" sz="1100" dirty="0"/>
+              <a:t>과녁점수</a:t>
+            </a:r>
+            <a:r>
+              <a:rPr lang="en-US" altLang="ko-KR" sz="1100" dirty="0"/>
+              <a:t>)</a:t>
+            </a:r>
+            <a:r>
+              <a:rPr lang="ko-KR" altLang="en-US" sz="1100" dirty="0"/>
+              <a:t>와 날짜에 대한 데이터를 파일에 저장합니다</a:t>
             </a:r>
             <a:r>
               <a:rPr lang="en-US" altLang="ko-KR" sz="1100" dirty="0"/>
@@ -21774,15 +21803,50 @@
             </a:r>
             <a:r>
               <a:rPr lang="en-US" altLang="ko-KR" sz="1100" dirty="0"/>
+              <a:t>. “</a:t>
+            </a:r>
+            <a:r>
+              <a:rPr lang="ko-KR" altLang="en-US" sz="1100" dirty="0"/>
+              <a:t>랭킹</a:t>
+            </a:r>
+            <a:r>
+              <a:rPr lang="en-US" altLang="ko-KR" sz="1100" dirty="0"/>
+              <a:t>” </a:t>
+            </a:r>
+            <a:r>
+              <a:rPr lang="ko-KR" altLang="en-US" sz="1100" dirty="0"/>
+              <a:t>버튼을 누르면 </a:t>
+            </a:r>
+            <a:r>
+              <a:rPr lang="en-US" altLang="ko-KR" sz="1100" dirty="0"/>
+              <a:t>Rank Scene </a:t>
+            </a:r>
+            <a:r>
+              <a:rPr lang="ko-KR" altLang="en-US" sz="1100" dirty="0"/>
+              <a:t>으로 이동합니다</a:t>
+            </a:r>
+            <a:r>
+              <a:rPr lang="en-US" altLang="ko-KR" sz="1100" dirty="0"/>
               <a:t>.</a:t>
             </a:r>
           </a:p>
           <a:p>
-            <a:r>
-              <a:rPr lang="ko-KR" altLang="en-US" sz="1500" dirty="0"/>
-              <a:t>몬스터 종류 추가</a:t>
-            </a:r>
-            <a:endParaRPr lang="en-US" altLang="ko-KR" sz="1500" dirty="0"/>
+            <a:pPr lvl="1">
+              <a:buFont typeface="+mj-lt"/>
+              <a:buAutoNum type="arabicPeriod"/>
+            </a:pPr>
+            <a:r>
+              <a:rPr lang="en-US" altLang="ko-KR" sz="1100" dirty="0"/>
+              <a:t>Rank Scene</a:t>
+            </a:r>
+            <a:r>
+              <a:rPr lang="ko-KR" altLang="en-US" sz="1100" dirty="0"/>
+              <a:t>은 플레이 기록을 점수 순으로 정렬한 데이터를 화면에 보여줍니다</a:t>
+            </a:r>
+            <a:r>
+              <a:rPr lang="en-US" altLang="ko-KR" sz="1100" dirty="0"/>
+              <a:t>.</a:t>
+            </a:r>
           </a:p>
           <a:p>
             <a:r>
@@ -21812,7 +21876,15 @@
             </a:pPr>
             <a:r>
               <a:rPr lang="ko-KR" altLang="en-US" sz="1100" dirty="0"/>
-              <a:t>몬스터는 죽으면 일정 확률로 아이템을 </a:t>
+              <a:t>과녁 오브젝트는 </a:t>
+            </a:r>
+            <a:r>
+              <a:rPr lang="ko-KR" altLang="en-US" sz="1100" dirty="0" err="1"/>
+              <a:t>명중당하면</a:t>
+            </a:r>
+            <a:r>
+              <a:rPr lang="ko-KR" altLang="en-US" sz="1100" dirty="0"/>
+              <a:t> 일정 확률로 아이템을 </a:t>
             </a:r>
             <a:r>
               <a:rPr lang="ko-KR" altLang="en-US" sz="1100" dirty="0" err="1"/>
@@ -21838,7 +21910,7 @@
             </a:r>
             <a:r>
               <a:rPr lang="ko-KR" altLang="en-US" sz="1100" dirty="0"/>
-              <a:t>목숨 회복</a:t>
+              <a:t>무적</a:t>
             </a:r>
             <a:r>
               <a:rPr lang="en-US" altLang="ko-KR" sz="1100" dirty="0"/>
@@ -21846,7 +21918,7 @@
             </a:r>
             <a:r>
               <a:rPr lang="ko-KR" altLang="en-US" sz="1100" dirty="0"/>
-              <a:t>무기 변경</a:t>
+              <a:t>이동 속도 증가</a:t>
             </a:r>
             <a:r>
               <a:rPr lang="en-US" altLang="ko-KR" sz="1100" dirty="0"/>
@@ -21854,7 +21926,7 @@
             </a:r>
             <a:r>
               <a:rPr lang="ko-KR" altLang="en-US" sz="1100" dirty="0"/>
-              <a:t>이동 속도 증가 등</a:t>
+              <a:t>사격 딜레이 감소 등</a:t>
             </a:r>
             <a:endParaRPr lang="en-US" altLang="ko-KR" sz="1100" dirty="0"/>
           </a:p>
